--- a/econ-135-lecture-2.pptx
+++ b/econ-135-lecture-2.pptx
@@ -30,6 +30,7 @@
     <p:sldId id="275" r:id="rId27"/>
     <p:sldId id="276" r:id="rId28"/>
     <p:sldId id="277" r:id="rId29"/>
+    <p:sldId id="278" r:id="rId30"/>
   </p:sldIdLst>
   <p:sldSz cx="9144000" cy="6858000"/>
   <p:notesSz cx="6858000" cy="9144000"/>
@@ -4075,8 +4076,8 @@
         </p:nvSpPr>
         <p:spPr>
           <a:xfrm>
-            <a:off x="277663" y="1269999"/>
-            <a:ext cx="8572501" cy="5377326"/>
+            <a:off x="277663" y="1270000"/>
+            <a:ext cx="8572501" cy="5377325"/>
           </a:xfrm>
           <a:prstGeom prst="rect">
             <a:avLst/>
@@ -4585,6 +4586,174 @@
                 <a:cs typeface="Times New Roman"/>
                 <a:sym typeface="Times New Roman"/>
               </a:defRPr>
+            </a:pPr>
+          </a:p>
+        </p:txBody>
+      </p:sp>
+    </p:spTree>
+  </p:cSld>
+  <p:clrMapOvr>
+    <a:masterClrMapping/>
+  </p:clrMapOvr>
+  <p:transition xmlns:p14="http://schemas.microsoft.com/office/powerpoint/2010/main" spd="med" advClick="1"/>
+</p:sld>
+</file>
+
+<file path=ppt/slides/slide23.xml><?xml version="1.0" encoding="utf-8"?>
+<p:sld xmlns:a="http://schemas.openxmlformats.org/drawingml/2006/main" xmlns:r="http://schemas.openxmlformats.org/officeDocument/2006/relationships" xmlns:p="http://schemas.openxmlformats.org/presentationml/2006/main" xmlns:m="http://schemas.openxmlformats.org/officeDocument/2006/math" xmlns:a14="http://schemas.microsoft.com/office/drawing/2010/main" showMasterSp="1" showMasterPhAnim="1">
+  <p:cSld>
+    <p:spTree>
+      <p:nvGrpSpPr>
+        <p:cNvPr id="1" name=""/>
+        <p:cNvGrpSpPr/>
+        <p:nvPr/>
+      </p:nvGrpSpPr>
+      <p:grpSpPr>
+        <a:xfrm>
+          <a:off x="0" y="0"/>
+          <a:ext cx="0" cy="0"/>
+          <a:chOff x="0" y="0"/>
+          <a:chExt cx="0" cy="0"/>
+        </a:xfrm>
+      </p:grpSpPr>
+      <p:sp>
+        <p:nvSpPr>
+          <p:cNvPr id="115" name="Catch Our Breath…"/>
+          <p:cNvSpPr txBox="1"/>
+          <p:nvPr>
+            <p:ph type="title"/>
+          </p:nvPr>
+        </p:nvSpPr>
+        <p:spPr>
+          <a:xfrm>
+            <a:off x="276457" y="-1"/>
+            <a:ext cx="8572501" cy="1270001"/>
+          </a:xfrm>
+          <a:prstGeom prst="rect">
+            <a:avLst/>
+          </a:prstGeom>
+        </p:spPr>
+        <p:txBody>
+          <a:bodyPr/>
+          <a:lstStyle/>
+          <a:p>
+            <a:pPr/>
+            <a:r>
+              <a:t>Catch Our Breath…</a:t>
+            </a:r>
+          </a:p>
+        </p:txBody>
+      </p:sp>
+      <p:sp>
+        <p:nvSpPr>
+          <p:cNvPr id="116" name="Ask a couple of questions?…"/>
+          <p:cNvSpPr txBox="1"/>
+          <p:nvPr>
+            <p:ph type="body" sz="half" idx="1"/>
+          </p:nvPr>
+        </p:nvSpPr>
+        <p:spPr>
+          <a:xfrm>
+            <a:off x="276457" y="1270000"/>
+            <a:ext cx="3810001" cy="4762500"/>
+          </a:xfrm>
+          <a:prstGeom prst="rect">
+            <a:avLst/>
+          </a:prstGeom>
+        </p:spPr>
+        <p:txBody>
+          <a:bodyPr anchor="t"/>
+          <a:lstStyle/>
+          <a:p>
+            <a:pPr>
+              <a:spcBef>
+                <a:spcPts val="1200"/>
+              </a:spcBef>
+            </a:pPr>
+            <a:r>
+              <a:t>Ask a couple of questions? </a:t>
+            </a:r>
+          </a:p>
+          <a:p>
+            <a:pPr>
+              <a:spcBef>
+                <a:spcPts val="1200"/>
+              </a:spcBef>
+            </a:pPr>
+            <a:r>
+              <a:t>Make a couple of comments?</a:t>
+            </a:r>
+          </a:p>
+          <a:p>
+            <a:pPr>
+              <a:spcBef>
+                <a:spcPts val="1200"/>
+              </a:spcBef>
+            </a:pPr>
+            <a:r>
+              <a:t>Any more readings to recommend?</a:t>
+            </a:r>
+          </a:p>
+        </p:txBody>
+      </p:sp>
+      <p:pic>
+        <p:nvPicPr>
+          <p:cNvPr id="117" name="Image" descr="Image"/>
+          <p:cNvPicPr>
+            <a:picLocks noChangeAspect="1"/>
+          </p:cNvPicPr>
+          <p:nvPr/>
+        </p:nvPicPr>
+        <p:blipFill>
+          <a:blip r:embed="rId2">
+            <a:extLst/>
+          </a:blip>
+          <a:stretch>
+            <a:fillRect/>
+          </a:stretch>
+        </p:blipFill>
+        <p:spPr>
+          <a:xfrm>
+            <a:off x="4086457" y="1270000"/>
+            <a:ext cx="4762501" cy="4762500"/>
+          </a:xfrm>
+          <a:prstGeom prst="rect">
+            <a:avLst/>
+          </a:prstGeom>
+          <a:ln w="3175">
+            <a:miter lim="400000"/>
+          </a:ln>
+        </p:spPr>
+      </p:pic>
+      <p:sp>
+        <p:nvSpPr>
+          <p:cNvPr id="118" name="Rectangle"/>
+          <p:cNvSpPr txBox="1"/>
+          <p:nvPr/>
+        </p:nvSpPr>
+        <p:spPr>
+          <a:xfrm>
+            <a:off x="276457" y="6032500"/>
+            <a:ext cx="8572501" cy="635000"/>
+          </a:xfrm>
+          <a:prstGeom prst="rect">
+            <a:avLst/>
+          </a:prstGeom>
+          <a:ln w="12700">
+            <a:miter lim="400000"/>
+          </a:ln>
+        </p:spPr>
+        <p:txBody>
+          <a:bodyPr lIns="35718" tIns="35718" rIns="35718" bIns="35718" anchor="b">
+            <a:normAutofit fontScale="100000" lnSpcReduction="0"/>
+          </a:bodyPr>
+          <a:lstStyle/>
+          <a:p>
+            <a:pPr algn="ctr">
+              <a:spcBef>
+                <a:spcPts val="1200"/>
+              </a:spcBef>
+              <a:defRPr sz="1600"/>
             </a:pPr>
           </a:p>
         </p:txBody>

--- a/econ-135-lecture-2.pptx
+++ b/econ-135-lecture-2.pptx
@@ -31,6 +31,7 @@
     <p:sldId id="276" r:id="rId28"/>
     <p:sldId id="277" r:id="rId29"/>
     <p:sldId id="278" r:id="rId30"/>
+    <p:sldId id="279" r:id="rId31"/>
   </p:sldIdLst>
   <p:sldSz cx="9144000" cy="6858000"/>
   <p:notesSz cx="6858000" cy="9144000"/>
@@ -4767,6 +4768,151 @@
 </p:sld>
 </file>
 
+<file path=ppt/slides/slide24.xml><?xml version="1.0" encoding="utf-8"?>
+<p:sld xmlns:a="http://schemas.openxmlformats.org/drawingml/2006/main" xmlns:r="http://schemas.openxmlformats.org/officeDocument/2006/relationships" xmlns:p="http://schemas.openxmlformats.org/presentationml/2006/main" xmlns:m="http://schemas.openxmlformats.org/officeDocument/2006/math" xmlns:a14="http://schemas.microsoft.com/office/drawing/2010/main" showMasterSp="1" showMasterPhAnim="1">
+  <p:cSld>
+    <p:spTree>
+      <p:nvGrpSpPr>
+        <p:cNvPr id="1" name=""/>
+        <p:cNvGrpSpPr/>
+        <p:nvPr/>
+      </p:nvGrpSpPr>
+      <p:grpSpPr>
+        <a:xfrm>
+          <a:off x="0" y="0"/>
+          <a:ext cx="0" cy="0"/>
+          <a:chOff x="0" y="0"/>
+          <a:chExt cx="0" cy="0"/>
+        </a:xfrm>
+      </p:grpSpPr>
+      <p:sp>
+        <p:nvSpPr>
+          <p:cNvPr id="120" name="Notes"/>
+          <p:cNvSpPr txBox="1"/>
+          <p:nvPr>
+            <p:ph type="title"/>
+          </p:nvPr>
+        </p:nvSpPr>
+        <p:spPr>
+          <a:xfrm>
+            <a:off x="276457" y="-1"/>
+            <a:ext cx="8572501" cy="1270001"/>
+          </a:xfrm>
+          <a:prstGeom prst="rect">
+            <a:avLst/>
+          </a:prstGeom>
+        </p:spPr>
+        <p:txBody>
+          <a:bodyPr/>
+          <a:lstStyle/>
+          <a:p>
+            <a:pPr/>
+            <a:r>
+              <a:t>Notes</a:t>
+            </a:r>
+          </a:p>
+        </p:txBody>
+      </p:sp>
+      <p:sp>
+        <p:nvSpPr>
+          <p:cNvPr id="121" name="Body"/>
+          <p:cNvSpPr txBox="1"/>
+          <p:nvPr>
+            <p:ph type="body" sz="half" idx="1"/>
+          </p:nvPr>
+        </p:nvSpPr>
+        <p:spPr>
+          <a:xfrm>
+            <a:off x="276457" y="1270000"/>
+            <a:ext cx="3810001" cy="4762500"/>
+          </a:xfrm>
+          <a:prstGeom prst="rect">
+            <a:avLst/>
+          </a:prstGeom>
+        </p:spPr>
+        <p:txBody>
+          <a:bodyPr anchor="t"/>
+          <a:lstStyle/>
+          <a:p>
+            <a:pPr>
+              <a:spcBef>
+                <a:spcPts val="1200"/>
+              </a:spcBef>
+            </a:pPr>
+          </a:p>
+        </p:txBody>
+      </p:sp>
+      <p:pic>
+        <p:nvPicPr>
+          <p:cNvPr id="122" name="Image" descr="Image"/>
+          <p:cNvPicPr>
+            <a:picLocks noChangeAspect="1"/>
+          </p:cNvPicPr>
+          <p:nvPr/>
+        </p:nvPicPr>
+        <p:blipFill>
+          <a:blip r:embed="rId2">
+            <a:extLst/>
+          </a:blip>
+          <a:stretch>
+            <a:fillRect/>
+          </a:stretch>
+        </p:blipFill>
+        <p:spPr>
+          <a:xfrm>
+            <a:off x="4086457" y="1270000"/>
+            <a:ext cx="4762501" cy="4762500"/>
+          </a:xfrm>
+          <a:prstGeom prst="rect">
+            <a:avLst/>
+          </a:prstGeom>
+          <a:ln w="3175">
+            <a:miter lim="400000"/>
+          </a:ln>
+        </p:spPr>
+      </p:pic>
+      <p:sp>
+        <p:nvSpPr>
+          <p:cNvPr id="123" name="Rectangle"/>
+          <p:cNvSpPr txBox="1"/>
+          <p:nvPr/>
+        </p:nvSpPr>
+        <p:spPr>
+          <a:xfrm>
+            <a:off x="276457" y="6032500"/>
+            <a:ext cx="8572501" cy="635000"/>
+          </a:xfrm>
+          <a:prstGeom prst="rect">
+            <a:avLst/>
+          </a:prstGeom>
+          <a:ln w="12700">
+            <a:miter lim="400000"/>
+          </a:ln>
+        </p:spPr>
+        <p:txBody>
+          <a:bodyPr lIns="35718" tIns="35718" rIns="35718" bIns="35718" anchor="b">
+            <a:normAutofit fontScale="100000" lnSpcReduction="0"/>
+          </a:bodyPr>
+          <a:lstStyle/>
+          <a:p>
+            <a:pPr algn="ctr">
+              <a:spcBef>
+                <a:spcPts val="1200"/>
+              </a:spcBef>
+              <a:defRPr sz="1600"/>
+            </a:pPr>
+          </a:p>
+        </p:txBody>
+      </p:sp>
+    </p:spTree>
+  </p:cSld>
+  <p:clrMapOvr>
+    <a:masterClrMapping/>
+  </p:clrMapOvr>
+  <p:transition xmlns:p14="http://schemas.microsoft.com/office/powerpoint/2010/main" spd="med" advClick="1"/>
+</p:sld>
+</file>
+
 <file path=ppt/slides/slide3.xml><?xml version="1.0" encoding="utf-8"?>
 <p:sld xmlns:a="http://schemas.openxmlformats.org/drawingml/2006/main" xmlns:r="http://schemas.openxmlformats.org/officeDocument/2006/relationships" xmlns:p="http://schemas.openxmlformats.org/presentationml/2006/main" xmlns:m="http://schemas.openxmlformats.org/officeDocument/2006/math" xmlns:a14="http://schemas.microsoft.com/office/drawing/2010/main" showMasterSp="1" showMasterPhAnim="1">
   <p:cSld>
